--- a/assets/tactile_image_files/0047-plunging_folds_cross-section/0047-plunging_folds_cross-section.pptx
+++ b/assets/tactile_image_files/0047-plunging_folds_cross-section/0047-plunging_folds_cross-section.pptx
@@ -253,7 +253,7 @@
           <a:p>
             <a:fld id="{E796F801-3BB8-A247-923B-F07F1B58D38A}" type="datetimeFigureOut">
               <a:rPr lang="en-US" smtClean="0"/>
-              <a:t>7/24/20</a:t>
+              <a:t>12/18/20</a:t>
             </a:fld>
             <a:endParaRPr lang="en-US"/>
           </a:p>
@@ -433,7 +433,7 @@
           <a:p>
             <a:fld id="{E796F801-3BB8-A247-923B-F07F1B58D38A}" type="datetimeFigureOut">
               <a:rPr lang="en-US" smtClean="0"/>
-              <a:t>7/24/20</a:t>
+              <a:t>12/18/20</a:t>
             </a:fld>
             <a:endParaRPr lang="en-US"/>
           </a:p>
@@ -603,7 +603,7 @@
           <a:p>
             <a:fld id="{E796F801-3BB8-A247-923B-F07F1B58D38A}" type="datetimeFigureOut">
               <a:rPr lang="en-US" smtClean="0"/>
-              <a:t>7/24/20</a:t>
+              <a:t>12/18/20</a:t>
             </a:fld>
             <a:endParaRPr lang="en-US"/>
           </a:p>
@@ -847,7 +847,7 @@
           <a:p>
             <a:fld id="{E796F801-3BB8-A247-923B-F07F1B58D38A}" type="datetimeFigureOut">
               <a:rPr lang="en-US" smtClean="0"/>
-              <a:t>7/24/20</a:t>
+              <a:t>12/18/20</a:t>
             </a:fld>
             <a:endParaRPr lang="en-US"/>
           </a:p>
@@ -1079,7 +1079,7 @@
           <a:p>
             <a:fld id="{E796F801-3BB8-A247-923B-F07F1B58D38A}" type="datetimeFigureOut">
               <a:rPr lang="en-US" smtClean="0"/>
-              <a:t>7/24/20</a:t>
+              <a:t>12/18/20</a:t>
             </a:fld>
             <a:endParaRPr lang="en-US"/>
           </a:p>
@@ -1446,7 +1446,7 @@
           <a:p>
             <a:fld id="{E796F801-3BB8-A247-923B-F07F1B58D38A}" type="datetimeFigureOut">
               <a:rPr lang="en-US" smtClean="0"/>
-              <a:t>7/24/20</a:t>
+              <a:t>12/18/20</a:t>
             </a:fld>
             <a:endParaRPr lang="en-US"/>
           </a:p>
@@ -1564,7 +1564,7 @@
           <a:p>
             <a:fld id="{E796F801-3BB8-A247-923B-F07F1B58D38A}" type="datetimeFigureOut">
               <a:rPr lang="en-US" smtClean="0"/>
-              <a:t>7/24/20</a:t>
+              <a:t>12/18/20</a:t>
             </a:fld>
             <a:endParaRPr lang="en-US"/>
           </a:p>
@@ -1659,7 +1659,7 @@
           <a:p>
             <a:fld id="{E796F801-3BB8-A247-923B-F07F1B58D38A}" type="datetimeFigureOut">
               <a:rPr lang="en-US" smtClean="0"/>
-              <a:t>7/24/20</a:t>
+              <a:t>12/18/20</a:t>
             </a:fld>
             <a:endParaRPr lang="en-US"/>
           </a:p>
@@ -1936,7 +1936,7 @@
           <a:p>
             <a:fld id="{E796F801-3BB8-A247-923B-F07F1B58D38A}" type="datetimeFigureOut">
               <a:rPr lang="en-US" smtClean="0"/>
-              <a:t>7/24/20</a:t>
+              <a:t>12/18/20</a:t>
             </a:fld>
             <a:endParaRPr lang="en-US"/>
           </a:p>
@@ -2193,7 +2193,7 @@
           <a:p>
             <a:fld id="{E796F801-3BB8-A247-923B-F07F1B58D38A}" type="datetimeFigureOut">
               <a:rPr lang="en-US" smtClean="0"/>
-              <a:t>7/24/20</a:t>
+              <a:t>12/18/20</a:t>
             </a:fld>
             <a:endParaRPr lang="en-US"/>
           </a:p>
@@ -2406,7 +2406,7 @@
           <a:p>
             <a:fld id="{E796F801-3BB8-A247-923B-F07F1B58D38A}" type="datetimeFigureOut">
               <a:rPr lang="en-US" smtClean="0"/>
-              <a:t>7/24/20</a:t>
+              <a:t>12/18/20</a:t>
             </a:fld>
             <a:endParaRPr lang="en-US"/>
           </a:p>
@@ -4988,8 +4988,8 @@
         </p:nvSpPr>
         <p:spPr>
           <a:xfrm>
-            <a:off x="8307571" y="3044455"/>
-            <a:ext cx="649537" cy="461665"/>
+            <a:off x="8456426" y="3129516"/>
+            <a:ext cx="407484" cy="461665"/>
           </a:xfrm>
           <a:prstGeom prst="rect">
             <a:avLst/>
@@ -5006,7 +5006,7 @@
               <a:rPr lang="en-US" sz="2400">
                 <a:latin typeface="Swell Braille" pitchFamily="49"/>
               </a:rPr>
-              <a:t>⠼⠋</a:t>
+              <a:t>B</a:t>
             </a:r>
           </a:p>
         </p:txBody>

--- a/assets/tactile_image_files/0047-plunging_folds_cross-section/0047-plunging_folds_cross-section.pptx
+++ b/assets/tactile_image_files/0047-plunging_folds_cross-section/0047-plunging_folds_cross-section.pptx
@@ -253,7 +253,7 @@
           <a:p>
             <a:fld id="{E796F801-3BB8-A247-923B-F07F1B58D38A}" type="datetimeFigureOut">
               <a:rPr lang="en-US" smtClean="0"/>
-              <a:t>12/18/20</a:t>
+              <a:t>1/8/21</a:t>
             </a:fld>
             <a:endParaRPr lang="en-US"/>
           </a:p>
@@ -433,7 +433,7 @@
           <a:p>
             <a:fld id="{E796F801-3BB8-A247-923B-F07F1B58D38A}" type="datetimeFigureOut">
               <a:rPr lang="en-US" smtClean="0"/>
-              <a:t>12/18/20</a:t>
+              <a:t>1/8/21</a:t>
             </a:fld>
             <a:endParaRPr lang="en-US"/>
           </a:p>
@@ -603,7 +603,7 @@
           <a:p>
             <a:fld id="{E796F801-3BB8-A247-923B-F07F1B58D38A}" type="datetimeFigureOut">
               <a:rPr lang="en-US" smtClean="0"/>
-              <a:t>12/18/20</a:t>
+              <a:t>1/8/21</a:t>
             </a:fld>
             <a:endParaRPr lang="en-US"/>
           </a:p>
@@ -847,7 +847,7 @@
           <a:p>
             <a:fld id="{E796F801-3BB8-A247-923B-F07F1B58D38A}" type="datetimeFigureOut">
               <a:rPr lang="en-US" smtClean="0"/>
-              <a:t>12/18/20</a:t>
+              <a:t>1/8/21</a:t>
             </a:fld>
             <a:endParaRPr lang="en-US"/>
           </a:p>
@@ -1079,7 +1079,7 @@
           <a:p>
             <a:fld id="{E796F801-3BB8-A247-923B-F07F1B58D38A}" type="datetimeFigureOut">
               <a:rPr lang="en-US" smtClean="0"/>
-              <a:t>12/18/20</a:t>
+              <a:t>1/8/21</a:t>
             </a:fld>
             <a:endParaRPr lang="en-US"/>
           </a:p>
@@ -1446,7 +1446,7 @@
           <a:p>
             <a:fld id="{E796F801-3BB8-A247-923B-F07F1B58D38A}" type="datetimeFigureOut">
               <a:rPr lang="en-US" smtClean="0"/>
-              <a:t>12/18/20</a:t>
+              <a:t>1/8/21</a:t>
             </a:fld>
             <a:endParaRPr lang="en-US"/>
           </a:p>
@@ -1564,7 +1564,7 @@
           <a:p>
             <a:fld id="{E796F801-3BB8-A247-923B-F07F1B58D38A}" type="datetimeFigureOut">
               <a:rPr lang="en-US" smtClean="0"/>
-              <a:t>12/18/20</a:t>
+              <a:t>1/8/21</a:t>
             </a:fld>
             <a:endParaRPr lang="en-US"/>
           </a:p>
@@ -1659,7 +1659,7 @@
           <a:p>
             <a:fld id="{E796F801-3BB8-A247-923B-F07F1B58D38A}" type="datetimeFigureOut">
               <a:rPr lang="en-US" smtClean="0"/>
-              <a:t>12/18/20</a:t>
+              <a:t>1/8/21</a:t>
             </a:fld>
             <a:endParaRPr lang="en-US"/>
           </a:p>
@@ -1936,7 +1936,7 @@
           <a:p>
             <a:fld id="{E796F801-3BB8-A247-923B-F07F1B58D38A}" type="datetimeFigureOut">
               <a:rPr lang="en-US" smtClean="0"/>
-              <a:t>12/18/20</a:t>
+              <a:t>1/8/21</a:t>
             </a:fld>
             <a:endParaRPr lang="en-US"/>
           </a:p>
@@ -2193,7 +2193,7 @@
           <a:p>
             <a:fld id="{E796F801-3BB8-A247-923B-F07F1B58D38A}" type="datetimeFigureOut">
               <a:rPr lang="en-US" smtClean="0"/>
-              <a:t>12/18/20</a:t>
+              <a:t>1/8/21</a:t>
             </a:fld>
             <a:endParaRPr lang="en-US"/>
           </a:p>
@@ -2406,7 +2406,7 @@
           <a:p>
             <a:fld id="{E796F801-3BB8-A247-923B-F07F1B58D38A}" type="datetimeFigureOut">
               <a:rPr lang="en-US" smtClean="0"/>
-              <a:t>12/18/20</a:t>
+              <a:t>1/8/21</a:t>
             </a:fld>
             <a:endParaRPr lang="en-US"/>
           </a:p>
@@ -3183,7 +3183,7 @@
         </p:nvSpPr>
         <p:spPr>
           <a:xfrm>
-            <a:off x="2909774" y="3483936"/>
+            <a:off x="2707756" y="2505741"/>
             <a:ext cx="284052" cy="307777"/>
           </a:xfrm>
           <a:prstGeom prst="rect">
@@ -3335,7 +3335,7 @@
         </p:nvSpPr>
         <p:spPr>
           <a:xfrm>
-            <a:off x="7347095" y="3583173"/>
+            <a:off x="6857999" y="2434856"/>
             <a:ext cx="284052" cy="307777"/>
           </a:xfrm>
           <a:prstGeom prst="rect">
@@ -3372,9 +3372,9 @@
           <p:nvPr/>
         </p:nvSpPr>
         <p:spPr>
-          <a:xfrm>
-            <a:off x="7846829" y="2743201"/>
-            <a:ext cx="301682" cy="307777"/>
+          <a:xfrm flipH="1">
+            <a:off x="7840167" y="2519917"/>
+            <a:ext cx="293740" cy="307777"/>
           </a:xfrm>
           <a:prstGeom prst="rect">
             <a:avLst/>
@@ -3397,49 +3397,6 @@
           </a:p>
         </p:txBody>
       </p:sp>
-      <p:cxnSp>
-        <p:nvCxnSpPr>
-          <p:cNvPr id="3" name="Straight Connector 2">
-            <a:extLst>
-              <a:ext uri="{FF2B5EF4-FFF2-40B4-BE49-F238E27FC236}">
-                <a16:creationId xmlns:a16="http://schemas.microsoft.com/office/drawing/2014/main" id="{5393D517-5D7A-F842-B574-41EA5B849433}"/>
-              </a:ext>
-            </a:extLst>
-          </p:cNvPr>
-          <p:cNvCxnSpPr>
-            <a:cxnSpLocks/>
-          </p:cNvCxnSpPr>
-          <p:nvPr/>
-        </p:nvCxnSpPr>
-        <p:spPr>
-          <a:xfrm flipH="1" flipV="1">
-            <a:off x="8038215" y="3094076"/>
-            <a:ext cx="318976" cy="691115"/>
-          </a:xfrm>
-          <a:prstGeom prst="line">
-            <a:avLst/>
-          </a:prstGeom>
-          <a:ln w="22225">
-            <a:solidFill>
-              <a:schemeClr val="tx1"/>
-            </a:solidFill>
-          </a:ln>
-        </p:spPr>
-        <p:style>
-          <a:lnRef idx="1">
-            <a:schemeClr val="accent1"/>
-          </a:lnRef>
-          <a:fillRef idx="0">
-            <a:schemeClr val="accent1"/>
-          </a:fillRef>
-          <a:effectRef idx="0">
-            <a:schemeClr val="accent1"/>
-          </a:effectRef>
-          <a:fontRef idx="minor">
-            <a:schemeClr val="tx1"/>
-          </a:fontRef>
-        </p:style>
-      </p:cxnSp>
       <p:sp>
         <p:nvSpPr>
           <p:cNvPr id="8" name="Rectangle 7">
@@ -3884,6 +3841,135 @@
           </a:p>
         </p:txBody>
       </p:sp>
+      <p:cxnSp>
+        <p:nvCxnSpPr>
+          <p:cNvPr id="23" name="Straight Connector 22">
+            <a:extLst>
+              <a:ext uri="{FF2B5EF4-FFF2-40B4-BE49-F238E27FC236}">
+                <a16:creationId xmlns:a16="http://schemas.microsoft.com/office/drawing/2014/main" id="{3B6CAF80-2DA4-A243-8B19-D509F7645AEC}"/>
+              </a:ext>
+            </a:extLst>
+          </p:cNvPr>
+          <p:cNvCxnSpPr>
+            <a:cxnSpLocks/>
+          </p:cNvCxnSpPr>
+          <p:nvPr/>
+        </p:nvCxnSpPr>
+        <p:spPr>
+          <a:xfrm flipH="1" flipV="1">
+            <a:off x="2899141" y="2840384"/>
+            <a:ext cx="177214" cy="799498"/>
+          </a:xfrm>
+          <a:prstGeom prst="line">
+            <a:avLst/>
+          </a:prstGeom>
+          <a:ln w="22225">
+            <a:solidFill>
+              <a:schemeClr val="tx1"/>
+            </a:solidFill>
+          </a:ln>
+        </p:spPr>
+        <p:style>
+          <a:lnRef idx="1">
+            <a:schemeClr val="accent1"/>
+          </a:lnRef>
+          <a:fillRef idx="0">
+            <a:schemeClr val="accent1"/>
+          </a:fillRef>
+          <a:effectRef idx="0">
+            <a:schemeClr val="accent1"/>
+          </a:effectRef>
+          <a:fontRef idx="minor">
+            <a:schemeClr val="tx1"/>
+          </a:fontRef>
+        </p:style>
+      </p:cxnSp>
+      <p:cxnSp>
+        <p:nvCxnSpPr>
+          <p:cNvPr id="26" name="Straight Connector 25">
+            <a:extLst>
+              <a:ext uri="{FF2B5EF4-FFF2-40B4-BE49-F238E27FC236}">
+                <a16:creationId xmlns:a16="http://schemas.microsoft.com/office/drawing/2014/main" id="{E318460F-783B-E442-8EA3-8DD1B53A55AB}"/>
+              </a:ext>
+            </a:extLst>
+          </p:cNvPr>
+          <p:cNvCxnSpPr>
+            <a:cxnSpLocks/>
+          </p:cNvCxnSpPr>
+          <p:nvPr/>
+        </p:nvCxnSpPr>
+        <p:spPr>
+          <a:xfrm flipH="1" flipV="1">
+            <a:off x="8036916" y="2900068"/>
+            <a:ext cx="376986" cy="952468"/>
+          </a:xfrm>
+          <a:prstGeom prst="line">
+            <a:avLst/>
+          </a:prstGeom>
+          <a:ln w="22225">
+            <a:solidFill>
+              <a:schemeClr val="tx1"/>
+            </a:solidFill>
+          </a:ln>
+        </p:spPr>
+        <p:style>
+          <a:lnRef idx="1">
+            <a:schemeClr val="accent1"/>
+          </a:lnRef>
+          <a:fillRef idx="0">
+            <a:schemeClr val="accent1"/>
+          </a:fillRef>
+          <a:effectRef idx="0">
+            <a:schemeClr val="accent1"/>
+          </a:effectRef>
+          <a:fontRef idx="minor">
+            <a:schemeClr val="tx1"/>
+          </a:fontRef>
+        </p:style>
+      </p:cxnSp>
+      <p:cxnSp>
+        <p:nvCxnSpPr>
+          <p:cNvPr id="27" name="Straight Connector 26">
+            <a:extLst>
+              <a:ext uri="{FF2B5EF4-FFF2-40B4-BE49-F238E27FC236}">
+                <a16:creationId xmlns:a16="http://schemas.microsoft.com/office/drawing/2014/main" id="{F767468B-77A2-464C-AC80-01E68992930D}"/>
+              </a:ext>
+            </a:extLst>
+          </p:cNvPr>
+          <p:cNvCxnSpPr>
+            <a:cxnSpLocks/>
+          </p:cNvCxnSpPr>
+          <p:nvPr/>
+        </p:nvCxnSpPr>
+        <p:spPr>
+          <a:xfrm flipH="1" flipV="1">
+            <a:off x="7060019" y="2806995"/>
+            <a:ext cx="368596" cy="889594"/>
+          </a:xfrm>
+          <a:prstGeom prst="line">
+            <a:avLst/>
+          </a:prstGeom>
+          <a:ln w="22225">
+            <a:solidFill>
+              <a:schemeClr val="tx1"/>
+            </a:solidFill>
+          </a:ln>
+        </p:spPr>
+        <p:style>
+          <a:lnRef idx="1">
+            <a:schemeClr val="accent1"/>
+          </a:lnRef>
+          <a:fillRef idx="0">
+            <a:schemeClr val="accent1"/>
+          </a:fillRef>
+          <a:effectRef idx="0">
+            <a:schemeClr val="accent1"/>
+          </a:effectRef>
+          <a:fontRef idx="minor">
+            <a:schemeClr val="tx1"/>
+          </a:fontRef>
+        </p:style>
+      </p:cxnSp>
     </p:spTree>
     <p:extLst>
       <p:ext uri="{BB962C8B-B14F-4D97-AF65-F5344CB8AC3E}">
@@ -4599,7 +4685,7 @@
         </p:nvSpPr>
         <p:spPr>
           <a:xfrm>
-            <a:off x="2984199" y="2622698"/>
+            <a:off x="2484469" y="2303722"/>
             <a:ext cx="649537" cy="461665"/>
           </a:xfrm>
           <a:prstGeom prst="rect">
@@ -4622,25 +4708,210 @@
           </a:p>
         </p:txBody>
       </p:sp>
+      <p:sp>
+        <p:nvSpPr>
+          <p:cNvPr id="33" name="TextBox 32">
+            <a:extLst>
+              <a:ext uri="{FF2B5EF4-FFF2-40B4-BE49-F238E27FC236}">
+                <a16:creationId xmlns:a16="http://schemas.microsoft.com/office/drawing/2014/main" id="{033E707F-6615-1A4E-9B6D-6593CEC22990}"/>
+              </a:ext>
+            </a:extLst>
+          </p:cNvPr>
+          <p:cNvSpPr txBox="1"/>
+          <p:nvPr/>
+        </p:nvSpPr>
+        <p:spPr>
+          <a:xfrm>
+            <a:off x="5061094" y="4497573"/>
+            <a:ext cx="649537" cy="461665"/>
+          </a:xfrm>
+          <a:prstGeom prst="rect">
+            <a:avLst/>
+          </a:prstGeom>
+          <a:noFill/>
+        </p:spPr>
+        <p:txBody>
+          <a:bodyPr wrap="none" rtlCol="0">
+            <a:spAutoFit/>
+          </a:bodyPr>
+          <a:lstStyle/>
+          <a:p>
+            <a:r>
+              <a:rPr lang="en-US" sz="2400">
+                <a:latin typeface="Swell Braille" pitchFamily="49"/>
+              </a:rPr>
+              <a:t>⠼⠁</a:t>
+            </a:r>
+          </a:p>
+        </p:txBody>
+      </p:sp>
+      <p:sp>
+        <p:nvSpPr>
+          <p:cNvPr id="35" name="TextBox 34">
+            <a:extLst>
+              <a:ext uri="{FF2B5EF4-FFF2-40B4-BE49-F238E27FC236}">
+                <a16:creationId xmlns:a16="http://schemas.microsoft.com/office/drawing/2014/main" id="{2787DF62-DCA7-CD4A-A0B4-C17155AA1181}"/>
+              </a:ext>
+            </a:extLst>
+          </p:cNvPr>
+          <p:cNvSpPr txBox="1"/>
+          <p:nvPr/>
+        </p:nvSpPr>
+        <p:spPr>
+          <a:xfrm>
+            <a:off x="5652973" y="3973034"/>
+            <a:ext cx="649537" cy="461665"/>
+          </a:xfrm>
+          <a:prstGeom prst="rect">
+            <a:avLst/>
+          </a:prstGeom>
+          <a:noFill/>
+        </p:spPr>
+        <p:txBody>
+          <a:bodyPr wrap="none" rtlCol="0">
+            <a:spAutoFit/>
+          </a:bodyPr>
+          <a:lstStyle/>
+          <a:p>
+            <a:r>
+              <a:rPr lang="en-US" sz="2400">
+                <a:latin typeface="Swell Braille" pitchFamily="49"/>
+              </a:rPr>
+              <a:t>⠼⠃</a:t>
+            </a:r>
+          </a:p>
+        </p:txBody>
+      </p:sp>
+      <p:sp>
+        <p:nvSpPr>
+          <p:cNvPr id="38" name="TextBox 37">
+            <a:extLst>
+              <a:ext uri="{FF2B5EF4-FFF2-40B4-BE49-F238E27FC236}">
+                <a16:creationId xmlns:a16="http://schemas.microsoft.com/office/drawing/2014/main" id="{B1AC6DC1-BE70-A745-A290-FD8A4A890D02}"/>
+              </a:ext>
+            </a:extLst>
+          </p:cNvPr>
+          <p:cNvSpPr txBox="1"/>
+          <p:nvPr/>
+        </p:nvSpPr>
+        <p:spPr>
+          <a:xfrm>
+            <a:off x="6578008" y="3685955"/>
+            <a:ext cx="649537" cy="461665"/>
+          </a:xfrm>
+          <a:prstGeom prst="rect">
+            <a:avLst/>
+          </a:prstGeom>
+          <a:noFill/>
+        </p:spPr>
+        <p:txBody>
+          <a:bodyPr wrap="none" rtlCol="0">
+            <a:spAutoFit/>
+          </a:bodyPr>
+          <a:lstStyle/>
+          <a:p>
+            <a:r>
+              <a:rPr lang="en-US" sz="2400">
+                <a:latin typeface="Swell Braille" pitchFamily="49"/>
+              </a:rPr>
+              <a:t>⠼⠉</a:t>
+            </a:r>
+          </a:p>
+        </p:txBody>
+      </p:sp>
+      <p:sp>
+        <p:nvSpPr>
+          <p:cNvPr id="42" name="TextBox 41">
+            <a:extLst>
+              <a:ext uri="{FF2B5EF4-FFF2-40B4-BE49-F238E27FC236}">
+                <a16:creationId xmlns:a16="http://schemas.microsoft.com/office/drawing/2014/main" id="{86860C1C-D32B-A249-B831-2F416EDAB64C}"/>
+              </a:ext>
+            </a:extLst>
+          </p:cNvPr>
+          <p:cNvSpPr txBox="1"/>
+          <p:nvPr/>
+        </p:nvSpPr>
+        <p:spPr>
+          <a:xfrm>
+            <a:off x="6592180" y="2392326"/>
+            <a:ext cx="649537" cy="461665"/>
+          </a:xfrm>
+          <a:prstGeom prst="rect">
+            <a:avLst/>
+          </a:prstGeom>
+          <a:noFill/>
+        </p:spPr>
+        <p:txBody>
+          <a:bodyPr wrap="none" rtlCol="0">
+            <a:spAutoFit/>
+          </a:bodyPr>
+          <a:lstStyle/>
+          <a:p>
+            <a:r>
+              <a:rPr lang="en-US" sz="2400">
+                <a:latin typeface="Swell Braille" pitchFamily="49"/>
+              </a:rPr>
+              <a:t>⠼⠙</a:t>
+            </a:r>
+          </a:p>
+        </p:txBody>
+      </p:sp>
+      <p:sp>
+        <p:nvSpPr>
+          <p:cNvPr id="43" name="TextBox 42">
+            <a:extLst>
+              <a:ext uri="{FF2B5EF4-FFF2-40B4-BE49-F238E27FC236}">
+                <a16:creationId xmlns:a16="http://schemas.microsoft.com/office/drawing/2014/main" id="{9928D99B-581B-D340-911B-8D6782ED7EAE}"/>
+              </a:ext>
+            </a:extLst>
+          </p:cNvPr>
+          <p:cNvSpPr txBox="1"/>
+          <p:nvPr/>
+        </p:nvSpPr>
+        <p:spPr>
+          <a:xfrm>
+            <a:off x="7712147" y="2438403"/>
+            <a:ext cx="649537" cy="461665"/>
+          </a:xfrm>
+          <a:prstGeom prst="rect">
+            <a:avLst/>
+          </a:prstGeom>
+          <a:noFill/>
+        </p:spPr>
+        <p:txBody>
+          <a:bodyPr wrap="none" rtlCol="0">
+            <a:spAutoFit/>
+          </a:bodyPr>
+          <a:lstStyle/>
+          <a:p>
+            <a:r>
+              <a:rPr lang="en-US" sz="2400">
+                <a:latin typeface="Swell Braille" pitchFamily="49"/>
+              </a:rPr>
+              <a:t>⠼⠑</a:t>
+            </a:r>
+          </a:p>
+        </p:txBody>
+      </p:sp>
       <p:cxnSp>
         <p:nvCxnSpPr>
-          <p:cNvPr id="29" name="Straight Connector 28">
+          <p:cNvPr id="44" name="Straight Connector 43">
             <a:extLst>
               <a:ext uri="{FF2B5EF4-FFF2-40B4-BE49-F238E27FC236}">
-                <a16:creationId xmlns:a16="http://schemas.microsoft.com/office/drawing/2014/main" id="{67DBAF3C-C820-2540-B0E4-6FF9D31603EF}"/>
+                <a16:creationId xmlns:a16="http://schemas.microsoft.com/office/drawing/2014/main" id="{383A47F3-4E72-FF47-ADEF-8B4A2D3B9B16}"/>
               </a:ext>
             </a:extLst>
           </p:cNvPr>
           <p:cNvCxnSpPr>
             <a:cxnSpLocks/>
-            <a:endCxn id="4" idx="3"/>
+            <a:endCxn id="43" idx="2"/>
           </p:cNvCxnSpPr>
           <p:nvPr/>
         </p:nvCxnSpPr>
         <p:spPr>
-          <a:xfrm flipV="1">
-            <a:off x="3172047" y="3104707"/>
-            <a:ext cx="102781" cy="545806"/>
+          <a:xfrm flipH="1" flipV="1">
+            <a:off x="8036916" y="2900068"/>
+            <a:ext cx="376986" cy="952468"/>
           </a:xfrm>
           <a:prstGeom prst="line">
             <a:avLst/>
@@ -4668,10 +4939,10 @@
       </p:cxnSp>
       <p:sp>
         <p:nvSpPr>
-          <p:cNvPr id="33" name="TextBox 32">
+          <p:cNvPr id="47" name="TextBox 46">
             <a:extLst>
               <a:ext uri="{FF2B5EF4-FFF2-40B4-BE49-F238E27FC236}">
-                <a16:creationId xmlns:a16="http://schemas.microsoft.com/office/drawing/2014/main" id="{033E707F-6615-1A4E-9B6D-6593CEC22990}"/>
+                <a16:creationId xmlns:a16="http://schemas.microsoft.com/office/drawing/2014/main" id="{8E9599C9-4FA4-744C-9ED8-AFF4C110440D}"/>
               </a:ext>
             </a:extLst>
           </p:cNvPr>
@@ -4680,8 +4951,8 @@
         </p:nvSpPr>
         <p:spPr>
           <a:xfrm>
-            <a:off x="5061094" y="4497573"/>
-            <a:ext cx="649537" cy="461665"/>
+            <a:off x="297855" y="2753831"/>
+            <a:ext cx="630301" cy="461665"/>
           </a:xfrm>
           <a:prstGeom prst="rect">
             <a:avLst/>
@@ -4698,17 +4969,17 @@
               <a:rPr lang="en-US" sz="2400">
                 <a:latin typeface="Swell Braille" pitchFamily="49"/>
               </a:rPr>
-              <a:t>⠼⠁</a:t>
-            </a:r>
-          </a:p>
-        </p:txBody>
-      </p:sp>
-      <p:sp>
-        <p:nvSpPr>
-          <p:cNvPr id="35" name="TextBox 34">
+              <a:t>⠠⠁</a:t>
+            </a:r>
+          </a:p>
+        </p:txBody>
+      </p:sp>
+      <p:sp>
+        <p:nvSpPr>
+          <p:cNvPr id="48" name="TextBox 47">
             <a:extLst>
               <a:ext uri="{FF2B5EF4-FFF2-40B4-BE49-F238E27FC236}">
-                <a16:creationId xmlns:a16="http://schemas.microsoft.com/office/drawing/2014/main" id="{2787DF62-DCA7-CD4A-A0B4-C17155AA1181}"/>
+                <a16:creationId xmlns:a16="http://schemas.microsoft.com/office/drawing/2014/main" id="{1377095A-E20D-CD46-BE5A-17FC0D59FBD0}"/>
               </a:ext>
             </a:extLst>
           </p:cNvPr>
@@ -4717,8 +4988,8 @@
         </p:nvSpPr>
         <p:spPr>
           <a:xfrm>
-            <a:off x="5652973" y="3973034"/>
-            <a:ext cx="649537" cy="461665"/>
+            <a:off x="8456426" y="3129516"/>
+            <a:ext cx="407484" cy="461665"/>
           </a:xfrm>
           <a:prstGeom prst="rect">
             <a:avLst/>
@@ -4735,35 +5006,34 @@
               <a:rPr lang="en-US" sz="2400">
                 <a:latin typeface="Swell Braille" pitchFamily="49"/>
               </a:rPr>
-              <a:t>⠼⠃</a:t>
-            </a:r>
-          </a:p>
-        </p:txBody>
-      </p:sp>
-      <p:sp>
-        <p:nvSpPr>
-          <p:cNvPr id="38" name="TextBox 37">
+              <a:t>B</a:t>
+            </a:r>
+          </a:p>
+        </p:txBody>
+      </p:sp>
+      <p:sp>
+        <p:nvSpPr>
+          <p:cNvPr id="12" name="Rectangle 11">
             <a:extLst>
               <a:ext uri="{FF2B5EF4-FFF2-40B4-BE49-F238E27FC236}">
-                <a16:creationId xmlns:a16="http://schemas.microsoft.com/office/drawing/2014/main" id="{B1AC6DC1-BE70-A745-A290-FD8A4A890D02}"/>
+                <a16:creationId xmlns:a16="http://schemas.microsoft.com/office/drawing/2014/main" id="{7A125A05-977D-2644-8076-221237CF661C}"/>
               </a:ext>
             </a:extLst>
           </p:cNvPr>
-          <p:cNvSpPr txBox="1"/>
+          <p:cNvSpPr/>
           <p:nvPr/>
         </p:nvSpPr>
         <p:spPr>
           <a:xfrm>
-            <a:off x="6578008" y="3685955"/>
-            <a:ext cx="649537" cy="461665"/>
+            <a:off x="627320" y="245677"/>
+            <a:ext cx="8080745" cy="461665"/>
           </a:xfrm>
           <a:prstGeom prst="rect">
             <a:avLst/>
           </a:prstGeom>
-          <a:noFill/>
-        </p:spPr>
-        <p:txBody>
-          <a:bodyPr wrap="none" rtlCol="0">
+        </p:spPr>
+        <p:txBody>
+          <a:bodyPr wrap="square">
             <a:spAutoFit/>
           </a:bodyPr>
           <a:lstStyle/>
@@ -4772,17 +5042,17 @@
               <a:rPr lang="en-US" sz="2400">
                 <a:latin typeface="Swell Braille" pitchFamily="49"/>
               </a:rPr>
-              <a:t>⠼⠉</a:t>
+              <a:t>⠠⠏⠇⠥⠝⠛⠬⠀⠠⠋⠕⠇⠙⠎⠀⠤⠀⠠⠉⠗⠕⠎⠎⠤⠎⠑⠉⠰⠝⠀⠠⠁⠤⠃</a:t>
             </a:r>
           </a:p>
         </p:txBody>
       </p:sp>
       <p:cxnSp>
         <p:nvCxnSpPr>
-          <p:cNvPr id="3" name="Straight Connector 2">
+          <p:cNvPr id="30" name="Straight Connector 29">
             <a:extLst>
               <a:ext uri="{FF2B5EF4-FFF2-40B4-BE49-F238E27FC236}">
-                <a16:creationId xmlns:a16="http://schemas.microsoft.com/office/drawing/2014/main" id="{5393D517-5D7A-F842-B574-41EA5B849433}"/>
+                <a16:creationId xmlns:a16="http://schemas.microsoft.com/office/drawing/2014/main" id="{5EFE3FD5-48BE-144E-9100-DA603983EE6C}"/>
               </a:ext>
             </a:extLst>
           </p:cNvPr>
@@ -4793,8 +5063,8 @@
         </p:nvCxnSpPr>
         <p:spPr>
           <a:xfrm flipH="1" flipV="1">
-            <a:off x="7315200" y="3179135"/>
-            <a:ext cx="95693" cy="520997"/>
+            <a:off x="2899141" y="2840384"/>
+            <a:ext cx="177214" cy="799498"/>
           </a:xfrm>
           <a:prstGeom prst="line">
             <a:avLst/>
@@ -4820,86 +5090,12 @@
           </a:fontRef>
         </p:style>
       </p:cxnSp>
-      <p:sp>
-        <p:nvSpPr>
-          <p:cNvPr id="42" name="TextBox 41">
+      <p:cxnSp>
+        <p:nvCxnSpPr>
+          <p:cNvPr id="31" name="Straight Connector 30">
             <a:extLst>
               <a:ext uri="{FF2B5EF4-FFF2-40B4-BE49-F238E27FC236}">
-                <a16:creationId xmlns:a16="http://schemas.microsoft.com/office/drawing/2014/main" id="{86860C1C-D32B-A249-B831-2F416EDAB64C}"/>
-              </a:ext>
-            </a:extLst>
-          </p:cNvPr>
-          <p:cNvSpPr txBox="1"/>
-          <p:nvPr/>
-        </p:nvSpPr>
-        <p:spPr>
-          <a:xfrm>
-            <a:off x="6868626" y="2700670"/>
-            <a:ext cx="649537" cy="461665"/>
-          </a:xfrm>
-          <a:prstGeom prst="rect">
-            <a:avLst/>
-          </a:prstGeom>
-          <a:noFill/>
-        </p:spPr>
-        <p:txBody>
-          <a:bodyPr wrap="none" rtlCol="0">
-            <a:spAutoFit/>
-          </a:bodyPr>
-          <a:lstStyle/>
-          <a:p>
-            <a:r>
-              <a:rPr lang="en-US" sz="2400">
-                <a:latin typeface="Swell Braille" pitchFamily="49"/>
-              </a:rPr>
-              <a:t>⠼⠙</a:t>
-            </a:r>
-          </a:p>
-        </p:txBody>
-      </p:sp>
-      <p:sp>
-        <p:nvSpPr>
-          <p:cNvPr id="43" name="TextBox 42">
-            <a:extLst>
-              <a:ext uri="{FF2B5EF4-FFF2-40B4-BE49-F238E27FC236}">
-                <a16:creationId xmlns:a16="http://schemas.microsoft.com/office/drawing/2014/main" id="{9928D99B-581B-D340-911B-8D6782ED7EAE}"/>
-              </a:ext>
-            </a:extLst>
-          </p:cNvPr>
-          <p:cNvSpPr txBox="1"/>
-          <p:nvPr/>
-        </p:nvSpPr>
-        <p:spPr>
-          <a:xfrm>
-            <a:off x="7584556" y="2789277"/>
-            <a:ext cx="649537" cy="461665"/>
-          </a:xfrm>
-          <a:prstGeom prst="rect">
-            <a:avLst/>
-          </a:prstGeom>
-          <a:noFill/>
-        </p:spPr>
-        <p:txBody>
-          <a:bodyPr wrap="none" rtlCol="0">
-            <a:spAutoFit/>
-          </a:bodyPr>
-          <a:lstStyle/>
-          <a:p>
-            <a:r>
-              <a:rPr lang="en-US" sz="2400">
-                <a:latin typeface="Swell Braille" pitchFamily="49"/>
-              </a:rPr>
-              <a:t>⠼⠑</a:t>
-            </a:r>
-          </a:p>
-        </p:txBody>
-      </p:sp>
-      <p:cxnSp>
-        <p:nvCxnSpPr>
-          <p:cNvPr id="44" name="Straight Connector 43">
-            <a:extLst>
-              <a:ext uri="{FF2B5EF4-FFF2-40B4-BE49-F238E27FC236}">
-                <a16:creationId xmlns:a16="http://schemas.microsoft.com/office/drawing/2014/main" id="{383A47F3-4E72-FF47-ADEF-8B4A2D3B9B16}"/>
+                <a16:creationId xmlns:a16="http://schemas.microsoft.com/office/drawing/2014/main" id="{B829758B-CD96-F24B-831F-AAE22CE6ECEE}"/>
               </a:ext>
             </a:extLst>
           </p:cNvPr>
@@ -4910,8 +5106,8 @@
         </p:nvCxnSpPr>
         <p:spPr>
           <a:xfrm flipH="1" flipV="1">
-            <a:off x="8016949" y="3211033"/>
-            <a:ext cx="396951" cy="641501"/>
+            <a:off x="7060019" y="2806995"/>
+            <a:ext cx="368596" cy="889594"/>
           </a:xfrm>
           <a:prstGeom prst="line">
             <a:avLst/>
@@ -4937,116 +5133,6 @@
           </a:fontRef>
         </p:style>
       </p:cxnSp>
-      <p:sp>
-        <p:nvSpPr>
-          <p:cNvPr id="47" name="TextBox 46">
-            <a:extLst>
-              <a:ext uri="{FF2B5EF4-FFF2-40B4-BE49-F238E27FC236}">
-                <a16:creationId xmlns:a16="http://schemas.microsoft.com/office/drawing/2014/main" id="{8E9599C9-4FA4-744C-9ED8-AFF4C110440D}"/>
-              </a:ext>
-            </a:extLst>
-          </p:cNvPr>
-          <p:cNvSpPr txBox="1"/>
-          <p:nvPr/>
-        </p:nvSpPr>
-        <p:spPr>
-          <a:xfrm>
-            <a:off x="297855" y="2753831"/>
-            <a:ext cx="630301" cy="461665"/>
-          </a:xfrm>
-          <a:prstGeom prst="rect">
-            <a:avLst/>
-          </a:prstGeom>
-          <a:noFill/>
-        </p:spPr>
-        <p:txBody>
-          <a:bodyPr wrap="none" rtlCol="0">
-            <a:spAutoFit/>
-          </a:bodyPr>
-          <a:lstStyle/>
-          <a:p>
-            <a:r>
-              <a:rPr lang="en-US" sz="2400">
-                <a:latin typeface="Swell Braille" pitchFamily="49"/>
-              </a:rPr>
-              <a:t>⠠⠁</a:t>
-            </a:r>
-          </a:p>
-        </p:txBody>
-      </p:sp>
-      <p:sp>
-        <p:nvSpPr>
-          <p:cNvPr id="48" name="TextBox 47">
-            <a:extLst>
-              <a:ext uri="{FF2B5EF4-FFF2-40B4-BE49-F238E27FC236}">
-                <a16:creationId xmlns:a16="http://schemas.microsoft.com/office/drawing/2014/main" id="{1377095A-E20D-CD46-BE5A-17FC0D59FBD0}"/>
-              </a:ext>
-            </a:extLst>
-          </p:cNvPr>
-          <p:cNvSpPr txBox="1"/>
-          <p:nvPr/>
-        </p:nvSpPr>
-        <p:spPr>
-          <a:xfrm>
-            <a:off x="8456426" y="3129516"/>
-            <a:ext cx="407484" cy="461665"/>
-          </a:xfrm>
-          <a:prstGeom prst="rect">
-            <a:avLst/>
-          </a:prstGeom>
-          <a:noFill/>
-        </p:spPr>
-        <p:txBody>
-          <a:bodyPr wrap="none" rtlCol="0">
-            <a:spAutoFit/>
-          </a:bodyPr>
-          <a:lstStyle/>
-          <a:p>
-            <a:r>
-              <a:rPr lang="en-US" sz="2400">
-                <a:latin typeface="Swell Braille" pitchFamily="49"/>
-              </a:rPr>
-              <a:t>B</a:t>
-            </a:r>
-          </a:p>
-        </p:txBody>
-      </p:sp>
-      <p:sp>
-        <p:nvSpPr>
-          <p:cNvPr id="12" name="Rectangle 11">
-            <a:extLst>
-              <a:ext uri="{FF2B5EF4-FFF2-40B4-BE49-F238E27FC236}">
-                <a16:creationId xmlns:a16="http://schemas.microsoft.com/office/drawing/2014/main" id="{7A125A05-977D-2644-8076-221237CF661C}"/>
-              </a:ext>
-            </a:extLst>
-          </p:cNvPr>
-          <p:cNvSpPr/>
-          <p:nvPr/>
-        </p:nvSpPr>
-        <p:spPr>
-          <a:xfrm>
-            <a:off x="627320" y="245677"/>
-            <a:ext cx="8080745" cy="461665"/>
-          </a:xfrm>
-          <a:prstGeom prst="rect">
-            <a:avLst/>
-          </a:prstGeom>
-        </p:spPr>
-        <p:txBody>
-          <a:bodyPr wrap="square">
-            <a:spAutoFit/>
-          </a:bodyPr>
-          <a:lstStyle/>
-          <a:p>
-            <a:r>
-              <a:rPr lang="en-US" sz="2400">
-                <a:latin typeface="Swell Braille" pitchFamily="49"/>
-              </a:rPr>
-              <a:t>⠠⠏⠇⠥⠝⠛⠬⠀⠠⠋⠕⠇⠙⠎⠀⠤⠀⠠⠉⠗⠕⠎⠎⠤⠎⠑⠉⠰⠝⠀⠠⠁⠤⠃</a:t>
-            </a:r>
-          </a:p>
-        </p:txBody>
-      </p:sp>
     </p:spTree>
     <p:extLst>
       <p:ext uri="{BB962C8B-B14F-4D97-AF65-F5344CB8AC3E}">
